--- a/Terra Aurum/Store Lokationer/Muldvarp hul og Lab/Monstre.pptx
+++ b/Terra Aurum/Store Lokationer/Muldvarp hul og Lab/Monstre.pptx
@@ -5,11 +5,15 @@
     <p:sldMasterId id="2147483648" r:id="rId1"/>
   </p:sldMasterIdLst>
   <p:notesMasterIdLst>
-    <p:notesMasterId r:id="rId4"/>
+    <p:notesMasterId r:id="rId8"/>
   </p:notesMasterIdLst>
   <p:sldIdLst>
-    <p:sldId id="257" r:id="rId2"/>
-    <p:sldId id="256" r:id="rId3"/>
+    <p:sldId id="258" r:id="rId2"/>
+    <p:sldId id="260" r:id="rId3"/>
+    <p:sldId id="261" r:id="rId4"/>
+    <p:sldId id="257" r:id="rId5"/>
+    <p:sldId id="256" r:id="rId6"/>
+    <p:sldId id="259" r:id="rId7"/>
   </p:sldIdLst>
   <p:sldSz cx="12192000" cy="6858000"/>
   <p:notesSz cx="6858000" cy="9144000"/>
@@ -108,6 +112,11 @@
       </a:defRPr>
     </a:lvl9pPr>
   </p:defaultTextStyle>
+  <p:extLst>
+    <p:ext uri="{EFAFB233-063F-42B5-8137-9DF3F51BA10A}">
+      <p15:sldGuideLst xmlns:p15="http://schemas.microsoft.com/office/powerpoint/2012/main"/>
+    </p:ext>
+  </p:extLst>
 </p:presentation>
 </file>
 
@@ -504,6 +513,382 @@
           <a:bodyPr/>
           <a:lstStyle/>
           <a:p>
+            <a:r>
+              <a:rPr lang="en-GB" dirty="0" err="1"/>
+              <a:t>Generel</a:t>
+            </a:r>
+            <a:r>
+              <a:rPr lang="en-GB" dirty="0"/>
+              <a:t> </a:t>
+            </a:r>
+            <a:r>
+              <a:rPr lang="en-GB" dirty="0" err="1"/>
+              <a:t>Kannibal</a:t>
+            </a:r>
+            <a:r>
+              <a:rPr lang="en-GB" dirty="0"/>
+              <a:t>, alle undead</a:t>
+            </a:r>
+            <a:endParaRPr lang="en-DK" dirty="0"/>
+          </a:p>
+        </p:txBody>
+      </p:sp>
+      <p:sp>
+        <p:nvSpPr>
+          <p:cNvPr id="4" name="Slide Number Placeholder 3"/>
+          <p:cNvSpPr>
+            <a:spLocks noGrp="1"/>
+          </p:cNvSpPr>
+          <p:nvPr>
+            <p:ph type="sldNum" sz="quarter" idx="5"/>
+          </p:nvPr>
+        </p:nvSpPr>
+        <p:spPr/>
+        <p:txBody>
+          <a:bodyPr/>
+          <a:lstStyle/>
+          <a:p>
+            <a:fld id="{CFEB1B81-8FD0-45C0-BA6F-CE687F00405E}" type="slidenum">
+              <a:rPr lang="en-GB" smtClean="0"/>
+              <a:t>1</a:t>
+            </a:fld>
+            <a:endParaRPr lang="en-GB"/>
+          </a:p>
+        </p:txBody>
+      </p:sp>
+    </p:spTree>
+    <p:extLst>
+      <p:ext uri="{BB962C8B-B14F-4D97-AF65-F5344CB8AC3E}">
+        <p14:creationId xmlns:p14="http://schemas.microsoft.com/office/powerpoint/2010/main" val="2809348588"/>
+      </p:ext>
+    </p:extLst>
+  </p:cSld>
+  <p:clrMapOvr>
+    <a:masterClrMapping/>
+  </p:clrMapOvr>
+</p:notes>
+</file>
+
+<file path=ppt/notesSlides/notesSlide2.xml><?xml version="1.0" encoding="utf-8"?>
+<p:notes xmlns:a="http://schemas.openxmlformats.org/drawingml/2006/main" xmlns:r="http://schemas.openxmlformats.org/officeDocument/2006/relationships" xmlns:p="http://schemas.openxmlformats.org/presentationml/2006/main">
+  <p:cSld>
+    <p:spTree>
+      <p:nvGrpSpPr>
+        <p:cNvPr id="1" name=""/>
+        <p:cNvGrpSpPr/>
+        <p:nvPr/>
+      </p:nvGrpSpPr>
+      <p:grpSpPr>
+        <a:xfrm>
+          <a:off x="0" y="0"/>
+          <a:ext cx="0" cy="0"/>
+          <a:chOff x="0" y="0"/>
+          <a:chExt cx="0" cy="0"/>
+        </a:xfrm>
+      </p:grpSpPr>
+      <p:sp>
+        <p:nvSpPr>
+          <p:cNvPr id="2" name="Slide Image Placeholder 1"/>
+          <p:cNvSpPr>
+            <a:spLocks noGrp="1" noRot="1" noChangeAspect="1"/>
+          </p:cNvSpPr>
+          <p:nvPr>
+            <p:ph type="sldImg"/>
+          </p:nvPr>
+        </p:nvSpPr>
+        <p:spPr/>
+      </p:sp>
+      <p:sp>
+        <p:nvSpPr>
+          <p:cNvPr id="3" name="Notes Placeholder 2"/>
+          <p:cNvSpPr>
+            <a:spLocks noGrp="1"/>
+          </p:cNvSpPr>
+          <p:nvPr>
+            <p:ph type="body" idx="1"/>
+          </p:nvPr>
+        </p:nvSpPr>
+        <p:spPr/>
+        <p:txBody>
+          <a:bodyPr/>
+          <a:lstStyle/>
+          <a:p>
+            <a:r>
+              <a:rPr lang="en-GB" dirty="0" err="1"/>
+              <a:t>Tyngdekammeret</a:t>
+            </a:r>
+            <a:endParaRPr lang="en-DK" dirty="0"/>
+          </a:p>
+        </p:txBody>
+      </p:sp>
+      <p:sp>
+        <p:nvSpPr>
+          <p:cNvPr id="4" name="Slide Number Placeholder 3"/>
+          <p:cNvSpPr>
+            <a:spLocks noGrp="1"/>
+          </p:cNvSpPr>
+          <p:nvPr>
+            <p:ph type="sldNum" sz="quarter" idx="5"/>
+          </p:nvPr>
+        </p:nvSpPr>
+        <p:spPr/>
+        <p:txBody>
+          <a:bodyPr/>
+          <a:lstStyle/>
+          <a:p>
+            <a:fld id="{CFEB1B81-8FD0-45C0-BA6F-CE687F00405E}" type="slidenum">
+              <a:rPr lang="en-GB" smtClean="0"/>
+              <a:t>2</a:t>
+            </a:fld>
+            <a:endParaRPr lang="en-GB"/>
+          </a:p>
+        </p:txBody>
+      </p:sp>
+    </p:spTree>
+    <p:extLst>
+      <p:ext uri="{BB962C8B-B14F-4D97-AF65-F5344CB8AC3E}">
+        <p14:creationId xmlns:p14="http://schemas.microsoft.com/office/powerpoint/2010/main" val="2304598990"/>
+      </p:ext>
+    </p:extLst>
+  </p:cSld>
+  <p:clrMapOvr>
+    <a:masterClrMapping/>
+  </p:clrMapOvr>
+</p:notes>
+</file>
+
+<file path=ppt/notesSlides/notesSlide3.xml><?xml version="1.0" encoding="utf-8"?>
+<p:notes xmlns:a="http://schemas.openxmlformats.org/drawingml/2006/main" xmlns:r="http://schemas.openxmlformats.org/officeDocument/2006/relationships" xmlns:p="http://schemas.openxmlformats.org/presentationml/2006/main">
+  <p:cSld>
+    <p:spTree>
+      <p:nvGrpSpPr>
+        <p:cNvPr id="1" name=""/>
+        <p:cNvGrpSpPr/>
+        <p:nvPr/>
+      </p:nvGrpSpPr>
+      <p:grpSpPr>
+        <a:xfrm>
+          <a:off x="0" y="0"/>
+          <a:ext cx="0" cy="0"/>
+          <a:chOff x="0" y="0"/>
+          <a:chExt cx="0" cy="0"/>
+        </a:xfrm>
+      </p:grpSpPr>
+      <p:sp>
+        <p:nvSpPr>
+          <p:cNvPr id="2" name="Slide Image Placeholder 1"/>
+          <p:cNvSpPr>
+            <a:spLocks noGrp="1" noRot="1" noChangeAspect="1"/>
+          </p:cNvSpPr>
+          <p:nvPr>
+            <p:ph type="sldImg"/>
+          </p:nvPr>
+        </p:nvSpPr>
+        <p:spPr/>
+      </p:sp>
+      <p:sp>
+        <p:nvSpPr>
+          <p:cNvPr id="3" name="Notes Placeholder 2"/>
+          <p:cNvSpPr>
+            <a:spLocks noGrp="1"/>
+          </p:cNvSpPr>
+          <p:nvPr>
+            <p:ph type="body" idx="1"/>
+          </p:nvPr>
+        </p:nvSpPr>
+        <p:spPr/>
+        <p:txBody>
+          <a:bodyPr/>
+          <a:lstStyle/>
+          <a:p>
+            <a:r>
+              <a:rPr lang="en-GB" dirty="0" err="1"/>
+              <a:t>Tyngderummet</a:t>
+            </a:r>
+            <a:r>
+              <a:rPr lang="en-GB" dirty="0"/>
+              <a:t>, </a:t>
+            </a:r>
+            <a:r>
+              <a:rPr lang="en-GB" dirty="0" err="1"/>
+              <a:t>dværge</a:t>
+            </a:r>
+            <a:r>
+              <a:rPr lang="en-GB" dirty="0"/>
+              <a:t> statue</a:t>
+            </a:r>
+            <a:endParaRPr lang="en-DK" dirty="0"/>
+          </a:p>
+        </p:txBody>
+      </p:sp>
+      <p:sp>
+        <p:nvSpPr>
+          <p:cNvPr id="4" name="Slide Number Placeholder 3"/>
+          <p:cNvSpPr>
+            <a:spLocks noGrp="1"/>
+          </p:cNvSpPr>
+          <p:nvPr>
+            <p:ph type="sldNum" sz="quarter" idx="5"/>
+          </p:nvPr>
+        </p:nvSpPr>
+        <p:spPr/>
+        <p:txBody>
+          <a:bodyPr/>
+          <a:lstStyle/>
+          <a:p>
+            <a:fld id="{CFEB1B81-8FD0-45C0-BA6F-CE687F00405E}" type="slidenum">
+              <a:rPr lang="en-GB" smtClean="0"/>
+              <a:t>3</a:t>
+            </a:fld>
+            <a:endParaRPr lang="en-GB"/>
+          </a:p>
+        </p:txBody>
+      </p:sp>
+    </p:spTree>
+    <p:extLst>
+      <p:ext uri="{BB962C8B-B14F-4D97-AF65-F5344CB8AC3E}">
+        <p14:creationId xmlns:p14="http://schemas.microsoft.com/office/powerpoint/2010/main" val="4291758966"/>
+      </p:ext>
+    </p:extLst>
+  </p:cSld>
+  <p:clrMapOvr>
+    <a:masterClrMapping/>
+  </p:clrMapOvr>
+</p:notes>
+</file>
+
+<file path=ppt/notesSlides/notesSlide4.xml><?xml version="1.0" encoding="utf-8"?>
+<p:notes xmlns:a="http://schemas.openxmlformats.org/drawingml/2006/main" xmlns:r="http://schemas.openxmlformats.org/officeDocument/2006/relationships" xmlns:p="http://schemas.openxmlformats.org/presentationml/2006/main">
+  <p:cSld>
+    <p:spTree>
+      <p:nvGrpSpPr>
+        <p:cNvPr id="1" name=""/>
+        <p:cNvGrpSpPr/>
+        <p:nvPr/>
+      </p:nvGrpSpPr>
+      <p:grpSpPr>
+        <a:xfrm>
+          <a:off x="0" y="0"/>
+          <a:ext cx="0" cy="0"/>
+          <a:chOff x="0" y="0"/>
+          <a:chExt cx="0" cy="0"/>
+        </a:xfrm>
+      </p:grpSpPr>
+      <p:sp>
+        <p:nvSpPr>
+          <p:cNvPr id="2" name="Slide Image Placeholder 1"/>
+          <p:cNvSpPr>
+            <a:spLocks noGrp="1" noRot="1" noChangeAspect="1"/>
+          </p:cNvSpPr>
+          <p:nvPr>
+            <p:ph type="sldImg"/>
+          </p:nvPr>
+        </p:nvSpPr>
+        <p:spPr/>
+      </p:sp>
+      <p:sp>
+        <p:nvSpPr>
+          <p:cNvPr id="3" name="Notes Placeholder 2"/>
+          <p:cNvSpPr>
+            <a:spLocks noGrp="1"/>
+          </p:cNvSpPr>
+          <p:nvPr>
+            <p:ph type="body" idx="1"/>
+          </p:nvPr>
+        </p:nvSpPr>
+        <p:spPr/>
+        <p:txBody>
+          <a:bodyPr/>
+          <a:lstStyle/>
+          <a:p>
+            <a:r>
+              <a:rPr lang="en-GB" dirty="0" err="1"/>
+              <a:t>Skattekammeret</a:t>
+            </a:r>
+            <a:endParaRPr lang="en-DK" dirty="0"/>
+          </a:p>
+        </p:txBody>
+      </p:sp>
+      <p:sp>
+        <p:nvSpPr>
+          <p:cNvPr id="4" name="Slide Number Placeholder 3"/>
+          <p:cNvSpPr>
+            <a:spLocks noGrp="1"/>
+          </p:cNvSpPr>
+          <p:nvPr>
+            <p:ph type="sldNum" sz="quarter" idx="5"/>
+          </p:nvPr>
+        </p:nvSpPr>
+        <p:spPr/>
+        <p:txBody>
+          <a:bodyPr/>
+          <a:lstStyle/>
+          <a:p>
+            <a:fld id="{CFEB1B81-8FD0-45C0-BA6F-CE687F00405E}" type="slidenum">
+              <a:rPr lang="en-GB" smtClean="0"/>
+              <a:t>4</a:t>
+            </a:fld>
+            <a:endParaRPr lang="en-GB"/>
+          </a:p>
+        </p:txBody>
+      </p:sp>
+    </p:spTree>
+    <p:extLst>
+      <p:ext uri="{BB962C8B-B14F-4D97-AF65-F5344CB8AC3E}">
+        <p14:creationId xmlns:p14="http://schemas.microsoft.com/office/powerpoint/2010/main" val="2813687797"/>
+      </p:ext>
+    </p:extLst>
+  </p:cSld>
+  <p:clrMapOvr>
+    <a:masterClrMapping/>
+  </p:clrMapOvr>
+</p:notes>
+</file>
+
+<file path=ppt/notesSlides/notesSlide5.xml><?xml version="1.0" encoding="utf-8"?>
+<p:notes xmlns:a="http://schemas.openxmlformats.org/drawingml/2006/main" xmlns:r="http://schemas.openxmlformats.org/officeDocument/2006/relationships" xmlns:p="http://schemas.openxmlformats.org/presentationml/2006/main">
+  <p:cSld>
+    <p:spTree>
+      <p:nvGrpSpPr>
+        <p:cNvPr id="1" name=""/>
+        <p:cNvGrpSpPr/>
+        <p:nvPr/>
+      </p:nvGrpSpPr>
+      <p:grpSpPr>
+        <a:xfrm>
+          <a:off x="0" y="0"/>
+          <a:ext cx="0" cy="0"/>
+          <a:chOff x="0" y="0"/>
+          <a:chExt cx="0" cy="0"/>
+        </a:xfrm>
+      </p:grpSpPr>
+      <p:sp>
+        <p:nvSpPr>
+          <p:cNvPr id="2" name="Slide Image Placeholder 1"/>
+          <p:cNvSpPr>
+            <a:spLocks noGrp="1" noRot="1" noChangeAspect="1"/>
+          </p:cNvSpPr>
+          <p:nvPr>
+            <p:ph type="sldImg"/>
+          </p:nvPr>
+        </p:nvSpPr>
+        <p:spPr/>
+      </p:sp>
+      <p:sp>
+        <p:nvSpPr>
+          <p:cNvPr id="3" name="Notes Placeholder 2"/>
+          <p:cNvSpPr>
+            <a:spLocks noGrp="1"/>
+          </p:cNvSpPr>
+          <p:nvPr>
+            <p:ph type="body" idx="1"/>
+          </p:nvPr>
+        </p:nvSpPr>
+        <p:spPr/>
+        <p:txBody>
+          <a:bodyPr/>
+          <a:lstStyle/>
+          <a:p>
             <a:pPr marL="0" marR="0" lvl="0" indent="0" algn="l" defTabSz="914400" rtl="0" eaLnBrk="1" fontAlgn="auto" latinLnBrk="0" hangingPunct="1">
               <a:lnSpc>
                 <a:spcPct val="100000"/>
@@ -551,7 +936,7 @@
           <a:p>
             <a:fld id="{CFEB1B81-8FD0-45C0-BA6F-CE687F00405E}" type="slidenum">
               <a:rPr lang="en-GB" smtClean="0"/>
-              <a:t>2</a:t>
+              <a:t>5</a:t>
             </a:fld>
             <a:endParaRPr lang="en-GB"/>
           </a:p>
@@ -561,6 +946,102 @@
     <p:extLst>
       <p:ext uri="{BB962C8B-B14F-4D97-AF65-F5344CB8AC3E}">
         <p14:creationId xmlns:p14="http://schemas.microsoft.com/office/powerpoint/2010/main" val="3178111227"/>
+      </p:ext>
+    </p:extLst>
+  </p:cSld>
+  <p:clrMapOvr>
+    <a:masterClrMapping/>
+  </p:clrMapOvr>
+</p:notes>
+</file>
+
+<file path=ppt/notesSlides/notesSlide6.xml><?xml version="1.0" encoding="utf-8"?>
+<p:notes xmlns:a="http://schemas.openxmlformats.org/drawingml/2006/main" xmlns:r="http://schemas.openxmlformats.org/officeDocument/2006/relationships" xmlns:p="http://schemas.openxmlformats.org/presentationml/2006/main">
+  <p:cSld>
+    <p:spTree>
+      <p:nvGrpSpPr>
+        <p:cNvPr id="1" name=""/>
+        <p:cNvGrpSpPr/>
+        <p:nvPr/>
+      </p:nvGrpSpPr>
+      <p:grpSpPr>
+        <a:xfrm>
+          <a:off x="0" y="0"/>
+          <a:ext cx="0" cy="0"/>
+          <a:chOff x="0" y="0"/>
+          <a:chExt cx="0" cy="0"/>
+        </a:xfrm>
+      </p:grpSpPr>
+      <p:sp>
+        <p:nvSpPr>
+          <p:cNvPr id="2" name="Slide Image Placeholder 1"/>
+          <p:cNvSpPr>
+            <a:spLocks noGrp="1" noRot="1" noChangeAspect="1"/>
+          </p:cNvSpPr>
+          <p:nvPr>
+            <p:ph type="sldImg"/>
+          </p:nvPr>
+        </p:nvSpPr>
+        <p:spPr/>
+      </p:sp>
+      <p:sp>
+        <p:nvSpPr>
+          <p:cNvPr id="3" name="Notes Placeholder 2"/>
+          <p:cNvSpPr>
+            <a:spLocks noGrp="1"/>
+          </p:cNvSpPr>
+          <p:nvPr>
+            <p:ph type="body" idx="1"/>
+          </p:nvPr>
+        </p:nvSpPr>
+        <p:spPr/>
+        <p:txBody>
+          <a:bodyPr/>
+          <a:lstStyle/>
+          <a:p>
+            <a:r>
+              <a:rPr lang="en-GB" dirty="0"/>
+              <a:t>Cancer </a:t>
+            </a:r>
+            <a:r>
+              <a:rPr lang="en-GB" dirty="0" err="1"/>
+              <a:t>Svamp</a:t>
+            </a:r>
+            <a:r>
+              <a:rPr lang="en-GB" dirty="0"/>
+              <a:t>, Elemental/Plant</a:t>
+            </a:r>
+            <a:endParaRPr lang="en-DK" dirty="0"/>
+          </a:p>
+        </p:txBody>
+      </p:sp>
+      <p:sp>
+        <p:nvSpPr>
+          <p:cNvPr id="4" name="Slide Number Placeholder 3"/>
+          <p:cNvSpPr>
+            <a:spLocks noGrp="1"/>
+          </p:cNvSpPr>
+          <p:nvPr>
+            <p:ph type="sldNum" sz="quarter" idx="5"/>
+          </p:nvPr>
+        </p:nvSpPr>
+        <p:spPr/>
+        <p:txBody>
+          <a:bodyPr/>
+          <a:lstStyle/>
+          <a:p>
+            <a:fld id="{CFEB1B81-8FD0-45C0-BA6F-CE687F00405E}" type="slidenum">
+              <a:rPr lang="en-GB" smtClean="0"/>
+              <a:t>6</a:t>
+            </a:fld>
+            <a:endParaRPr lang="en-GB"/>
+          </a:p>
+        </p:txBody>
+      </p:sp>
+    </p:spTree>
+    <p:extLst>
+      <p:ext uri="{BB962C8B-B14F-4D97-AF65-F5344CB8AC3E}">
+        <p14:creationId xmlns:p14="http://schemas.microsoft.com/office/powerpoint/2010/main" val="50509825"/>
       </p:ext>
     </p:extLst>
   </p:cSld>
@@ -3784,10 +4265,147 @@
           <a:chExt cx="0" cy="0"/>
         </a:xfrm>
       </p:grpSpPr>
+      <p:pic>
+        <p:nvPicPr>
+          <p:cNvPr id="5" name="Picture 4">
+            <a:extLst>
+              <a:ext uri="{FF2B5EF4-FFF2-40B4-BE49-F238E27FC236}">
+                <a16:creationId xmlns:a16="http://schemas.microsoft.com/office/drawing/2014/main" id="{2FB19FC7-901D-DF8C-355A-B081402DDA91}"/>
+              </a:ext>
+            </a:extLst>
+          </p:cNvPr>
+          <p:cNvPicPr>
+            <a:picLocks noChangeAspect="1"/>
+          </p:cNvPicPr>
+          <p:nvPr/>
+        </p:nvPicPr>
+        <p:blipFill>
+          <a:blip r:embed="rId3"/>
+          <a:stretch>
+            <a:fillRect/>
+          </a:stretch>
+        </p:blipFill>
+        <p:spPr>
+          <a:xfrm>
+            <a:off x="2598057" y="0"/>
+            <a:ext cx="3134162" cy="6096851"/>
+          </a:xfrm>
+          <a:prstGeom prst="rect">
+            <a:avLst/>
+          </a:prstGeom>
+        </p:spPr>
+      </p:pic>
+      <p:pic>
+        <p:nvPicPr>
+          <p:cNvPr id="7" name="Picture 6">
+            <a:extLst>
+              <a:ext uri="{FF2B5EF4-FFF2-40B4-BE49-F238E27FC236}">
+                <a16:creationId xmlns:a16="http://schemas.microsoft.com/office/drawing/2014/main" id="{02EEAA4C-2B87-7E16-FCC3-9FCB26687980}"/>
+              </a:ext>
+            </a:extLst>
+          </p:cNvPr>
+          <p:cNvPicPr>
+            <a:picLocks noChangeAspect="1"/>
+          </p:cNvPicPr>
+          <p:nvPr/>
+        </p:nvPicPr>
+        <p:blipFill>
+          <a:blip r:embed="rId4"/>
+          <a:stretch>
+            <a:fillRect/>
+          </a:stretch>
+        </p:blipFill>
+        <p:spPr>
+          <a:xfrm>
+            <a:off x="5732219" y="0"/>
+            <a:ext cx="3134162" cy="5896798"/>
+          </a:xfrm>
+          <a:prstGeom prst="rect">
+            <a:avLst/>
+          </a:prstGeom>
+        </p:spPr>
+      </p:pic>
+      <p:pic>
+        <p:nvPicPr>
+          <p:cNvPr id="1025" name="Picture 1" descr="Foldy Flapfaced Meathead">
+            <a:extLst>
+              <a:ext uri="{FF2B5EF4-FFF2-40B4-BE49-F238E27FC236}">
+                <a16:creationId xmlns:a16="http://schemas.microsoft.com/office/drawing/2014/main" id="{39C591CB-F1AA-9828-EBD4-FA3804855991}"/>
+              </a:ext>
+            </a:extLst>
+          </p:cNvPr>
+          <p:cNvPicPr>
+            <a:picLocks noChangeAspect="1" noChangeArrowheads="1"/>
+          </p:cNvPicPr>
+          <p:nvPr/>
+        </p:nvPicPr>
+        <p:blipFill>
+          <a:blip r:embed="rId5">
+            <a:extLst>
+              <a:ext uri="{28A0092B-C50C-407E-A947-70E740481C1C}">
+                <a14:useLocalDpi xmlns:a14="http://schemas.microsoft.com/office/drawing/2010/main" val="0"/>
+              </a:ext>
+            </a:extLst>
+          </a:blip>
+          <a:srcRect/>
+          <a:stretch>
+            <a:fillRect/>
+          </a:stretch>
+        </p:blipFill>
+        <p:spPr bwMode="auto">
+          <a:xfrm>
+            <a:off x="9296895" y="3962895"/>
+            <a:ext cx="2895105" cy="2895105"/>
+          </a:xfrm>
+          <a:prstGeom prst="rect">
+            <a:avLst/>
+          </a:prstGeom>
+          <a:noFill/>
+          <a:extLst>
+            <a:ext uri="{909E8E84-426E-40DD-AFC4-6F175D3DCCD1}">
+              <a14:hiddenFill xmlns:a14="http://schemas.microsoft.com/office/drawing/2010/main">
+                <a:solidFill>
+                  <a:srgbClr val="FFFFFF"/>
+                </a:solidFill>
+              </a14:hiddenFill>
+            </a:ext>
+          </a:extLst>
+        </p:spPr>
+      </p:pic>
+      <p:pic>
+        <p:nvPicPr>
+          <p:cNvPr id="9" name="Picture 8">
+            <a:extLst>
+              <a:ext uri="{FF2B5EF4-FFF2-40B4-BE49-F238E27FC236}">
+                <a16:creationId xmlns:a16="http://schemas.microsoft.com/office/drawing/2014/main" id="{79308816-CF22-6FF6-94AB-90D24EC2C5B1}"/>
+              </a:ext>
+            </a:extLst>
+          </p:cNvPr>
+          <p:cNvPicPr>
+            <a:picLocks noChangeAspect="1"/>
+          </p:cNvPicPr>
+          <p:nvPr/>
+        </p:nvPicPr>
+        <p:blipFill>
+          <a:blip r:embed="rId6"/>
+          <a:stretch>
+            <a:fillRect/>
+          </a:stretch>
+        </p:blipFill>
+        <p:spPr>
+          <a:xfrm>
+            <a:off x="9296427" y="1702677"/>
+            <a:ext cx="2906084" cy="2241224"/>
+          </a:xfrm>
+          <a:prstGeom prst="rect">
+            <a:avLst/>
+          </a:prstGeom>
+        </p:spPr>
+      </p:pic>
     </p:spTree>
     <p:extLst>
       <p:ext uri="{BB962C8B-B14F-4D97-AF65-F5344CB8AC3E}">
-        <p14:creationId xmlns:p14="http://schemas.microsoft.com/office/powerpoint/2010/main" val="1736680330"/>
+        <p14:creationId xmlns:p14="http://schemas.microsoft.com/office/powerpoint/2010/main" val="4053518782"/>
       </p:ext>
     </p:extLst>
   </p:cSld>
@@ -3816,6 +4434,186 @@
       </p:grpSpPr>
       <p:pic>
         <p:nvPicPr>
+          <p:cNvPr id="7" name="Picture 6">
+            <a:extLst>
+              <a:ext uri="{FF2B5EF4-FFF2-40B4-BE49-F238E27FC236}">
+                <a16:creationId xmlns:a16="http://schemas.microsoft.com/office/drawing/2014/main" id="{90C21B43-8EA7-649F-EFF3-B641EF905BFE}"/>
+              </a:ext>
+            </a:extLst>
+          </p:cNvPr>
+          <p:cNvPicPr>
+            <a:picLocks noChangeAspect="1"/>
+          </p:cNvPicPr>
+          <p:nvPr/>
+        </p:nvPicPr>
+        <p:blipFill>
+          <a:blip r:embed="rId3"/>
+          <a:stretch>
+            <a:fillRect/>
+          </a:stretch>
+        </p:blipFill>
+        <p:spPr>
+          <a:xfrm>
+            <a:off x="2315920" y="-7226"/>
+            <a:ext cx="8688409" cy="6865226"/>
+          </a:xfrm>
+          <a:prstGeom prst="rect">
+            <a:avLst/>
+          </a:prstGeom>
+        </p:spPr>
+      </p:pic>
+    </p:spTree>
+    <p:extLst>
+      <p:ext uri="{BB962C8B-B14F-4D97-AF65-F5344CB8AC3E}">
+        <p14:creationId xmlns:p14="http://schemas.microsoft.com/office/powerpoint/2010/main" val="3922325759"/>
+      </p:ext>
+    </p:extLst>
+  </p:cSld>
+  <p:clrMapOvr>
+    <a:masterClrMapping/>
+  </p:clrMapOvr>
+</p:sld>
+</file>
+
+<file path=ppt/slides/slide3.xml><?xml version="1.0" encoding="utf-8"?>
+<p:sld xmlns:a="http://schemas.openxmlformats.org/drawingml/2006/main" xmlns:r="http://schemas.openxmlformats.org/officeDocument/2006/relationships" xmlns:p="http://schemas.openxmlformats.org/presentationml/2006/main">
+  <p:cSld>
+    <p:spTree>
+      <p:nvGrpSpPr>
+        <p:cNvPr id="1" name=""/>
+        <p:cNvGrpSpPr/>
+        <p:nvPr/>
+      </p:nvGrpSpPr>
+      <p:grpSpPr>
+        <a:xfrm>
+          <a:off x="0" y="0"/>
+          <a:ext cx="0" cy="0"/>
+          <a:chOff x="0" y="0"/>
+          <a:chExt cx="0" cy="0"/>
+        </a:xfrm>
+      </p:grpSpPr>
+      <p:pic>
+        <p:nvPicPr>
+          <p:cNvPr id="5" name="Picture 4">
+            <a:extLst>
+              <a:ext uri="{FF2B5EF4-FFF2-40B4-BE49-F238E27FC236}">
+                <a16:creationId xmlns:a16="http://schemas.microsoft.com/office/drawing/2014/main" id="{8ACAED6E-2E75-9EFB-7148-54D78A80A210}"/>
+              </a:ext>
+            </a:extLst>
+          </p:cNvPr>
+          <p:cNvPicPr>
+            <a:picLocks noChangeAspect="1"/>
+          </p:cNvPicPr>
+          <p:nvPr/>
+        </p:nvPicPr>
+        <p:blipFill>
+          <a:blip r:embed="rId3"/>
+          <a:stretch>
+            <a:fillRect/>
+          </a:stretch>
+        </p:blipFill>
+        <p:spPr>
+          <a:xfrm>
+            <a:off x="4640210" y="0"/>
+            <a:ext cx="2911580" cy="6858000"/>
+          </a:xfrm>
+          <a:prstGeom prst="rect">
+            <a:avLst/>
+          </a:prstGeom>
+        </p:spPr>
+      </p:pic>
+    </p:spTree>
+    <p:extLst>
+      <p:ext uri="{BB962C8B-B14F-4D97-AF65-F5344CB8AC3E}">
+        <p14:creationId xmlns:p14="http://schemas.microsoft.com/office/powerpoint/2010/main" val="498754450"/>
+      </p:ext>
+    </p:extLst>
+  </p:cSld>
+  <p:clrMapOvr>
+    <a:masterClrMapping/>
+  </p:clrMapOvr>
+</p:sld>
+</file>
+
+<file path=ppt/slides/slide4.xml><?xml version="1.0" encoding="utf-8"?>
+<p:sld xmlns:a="http://schemas.openxmlformats.org/drawingml/2006/main" xmlns:r="http://schemas.openxmlformats.org/officeDocument/2006/relationships" xmlns:p="http://schemas.openxmlformats.org/presentationml/2006/main">
+  <p:cSld>
+    <p:spTree>
+      <p:nvGrpSpPr>
+        <p:cNvPr id="1" name=""/>
+        <p:cNvGrpSpPr/>
+        <p:nvPr/>
+      </p:nvGrpSpPr>
+      <p:grpSpPr>
+        <a:xfrm>
+          <a:off x="0" y="0"/>
+          <a:ext cx="0" cy="0"/>
+          <a:chOff x="0" y="0"/>
+          <a:chExt cx="0" cy="0"/>
+        </a:xfrm>
+      </p:grpSpPr>
+      <p:pic>
+        <p:nvPicPr>
+          <p:cNvPr id="3" name="Picture 2">
+            <a:extLst>
+              <a:ext uri="{FF2B5EF4-FFF2-40B4-BE49-F238E27FC236}">
+                <a16:creationId xmlns:a16="http://schemas.microsoft.com/office/drawing/2014/main" id="{11F14819-06AB-1034-CEBD-CB2A34277190}"/>
+              </a:ext>
+            </a:extLst>
+          </p:cNvPr>
+          <p:cNvPicPr>
+            <a:picLocks noChangeAspect="1"/>
+          </p:cNvPicPr>
+          <p:nvPr/>
+        </p:nvPicPr>
+        <p:blipFill>
+          <a:blip r:embed="rId3"/>
+          <a:stretch>
+            <a:fillRect/>
+          </a:stretch>
+        </p:blipFill>
+        <p:spPr>
+          <a:xfrm>
+            <a:off x="4699612" y="0"/>
+            <a:ext cx="2792776" cy="6858000"/>
+          </a:xfrm>
+          <a:prstGeom prst="rect">
+            <a:avLst/>
+          </a:prstGeom>
+        </p:spPr>
+      </p:pic>
+    </p:spTree>
+    <p:extLst>
+      <p:ext uri="{BB962C8B-B14F-4D97-AF65-F5344CB8AC3E}">
+        <p14:creationId xmlns:p14="http://schemas.microsoft.com/office/powerpoint/2010/main" val="1736680330"/>
+      </p:ext>
+    </p:extLst>
+  </p:cSld>
+  <p:clrMapOvr>
+    <a:masterClrMapping/>
+  </p:clrMapOvr>
+</p:sld>
+</file>
+
+<file path=ppt/slides/slide5.xml><?xml version="1.0" encoding="utf-8"?>
+<p:sld xmlns:a="http://schemas.openxmlformats.org/drawingml/2006/main" xmlns:r="http://schemas.openxmlformats.org/officeDocument/2006/relationships" xmlns:p="http://schemas.openxmlformats.org/presentationml/2006/main">
+  <p:cSld>
+    <p:spTree>
+      <p:nvGrpSpPr>
+        <p:cNvPr id="1" name=""/>
+        <p:cNvGrpSpPr/>
+        <p:nvPr/>
+      </p:nvGrpSpPr>
+      <p:grpSpPr>
+        <a:xfrm>
+          <a:off x="0" y="0"/>
+          <a:ext cx="0" cy="0"/>
+          <a:chOff x="0" y="0"/>
+          <a:chExt cx="0" cy="0"/>
+        </a:xfrm>
+      </p:grpSpPr>
+      <p:pic>
+        <p:nvPicPr>
           <p:cNvPr id="9" name="Picture 8">
             <a:extLst>
               <a:ext uri="{FF2B5EF4-FFF2-40B4-BE49-F238E27FC236}">
@@ -3884,6 +4682,198 @@
     <p:extLst>
       <p:ext uri="{BB962C8B-B14F-4D97-AF65-F5344CB8AC3E}">
         <p14:creationId xmlns:p14="http://schemas.microsoft.com/office/powerpoint/2010/main" val="3317549091"/>
+      </p:ext>
+    </p:extLst>
+  </p:cSld>
+  <p:clrMapOvr>
+    <a:masterClrMapping/>
+  </p:clrMapOvr>
+</p:sld>
+</file>
+
+<file path=ppt/slides/slide6.xml><?xml version="1.0" encoding="utf-8"?>
+<p:sld xmlns:a="http://schemas.openxmlformats.org/drawingml/2006/main" xmlns:r="http://schemas.openxmlformats.org/officeDocument/2006/relationships" xmlns:p="http://schemas.openxmlformats.org/presentationml/2006/main">
+  <p:cSld>
+    <p:spTree>
+      <p:nvGrpSpPr>
+        <p:cNvPr id="1" name=""/>
+        <p:cNvGrpSpPr/>
+        <p:nvPr/>
+      </p:nvGrpSpPr>
+      <p:grpSpPr>
+        <a:xfrm>
+          <a:off x="0" y="0"/>
+          <a:ext cx="0" cy="0"/>
+          <a:chOff x="0" y="0"/>
+          <a:chExt cx="0" cy="0"/>
+        </a:xfrm>
+      </p:grpSpPr>
+      <p:pic>
+        <p:nvPicPr>
+          <p:cNvPr id="5" name="Picture 4">
+            <a:extLst>
+              <a:ext uri="{FF2B5EF4-FFF2-40B4-BE49-F238E27FC236}">
+                <a16:creationId xmlns:a16="http://schemas.microsoft.com/office/drawing/2014/main" id="{45744170-6CAF-52EB-2B8E-823EC205D4A4}"/>
+              </a:ext>
+            </a:extLst>
+          </p:cNvPr>
+          <p:cNvPicPr>
+            <a:picLocks noChangeAspect="1"/>
+          </p:cNvPicPr>
+          <p:nvPr/>
+        </p:nvPicPr>
+        <p:blipFill>
+          <a:blip r:embed="rId3"/>
+          <a:stretch>
+            <a:fillRect/>
+          </a:stretch>
+        </p:blipFill>
+        <p:spPr>
+          <a:xfrm>
+            <a:off x="5499548" y="0"/>
+            <a:ext cx="2512337" cy="6858000"/>
+          </a:xfrm>
+          <a:prstGeom prst="rect">
+            <a:avLst/>
+          </a:prstGeom>
+        </p:spPr>
+      </p:pic>
+      <p:pic>
+        <p:nvPicPr>
+          <p:cNvPr id="7" name="Picture 6">
+            <a:extLst>
+              <a:ext uri="{FF2B5EF4-FFF2-40B4-BE49-F238E27FC236}">
+                <a16:creationId xmlns:a16="http://schemas.microsoft.com/office/drawing/2014/main" id="{529FF6F9-4341-1809-7439-6CDDD194DE0D}"/>
+              </a:ext>
+            </a:extLst>
+          </p:cNvPr>
+          <p:cNvPicPr>
+            <a:picLocks noChangeAspect="1"/>
+          </p:cNvPicPr>
+          <p:nvPr/>
+        </p:nvPicPr>
+        <p:blipFill>
+          <a:blip r:embed="rId4"/>
+          <a:stretch>
+            <a:fillRect/>
+          </a:stretch>
+        </p:blipFill>
+        <p:spPr>
+          <a:xfrm>
+            <a:off x="2594992" y="0"/>
+            <a:ext cx="2841293" cy="6858000"/>
+          </a:xfrm>
+          <a:prstGeom prst="rect">
+            <a:avLst/>
+          </a:prstGeom>
+        </p:spPr>
+      </p:pic>
+      <p:sp>
+        <p:nvSpPr>
+          <p:cNvPr id="8" name="TextBox 7">
+            <a:extLst>
+              <a:ext uri="{FF2B5EF4-FFF2-40B4-BE49-F238E27FC236}">
+                <a16:creationId xmlns:a16="http://schemas.microsoft.com/office/drawing/2014/main" id="{04B25EB4-3000-5BED-178C-6C03AB23B9FD}"/>
+              </a:ext>
+            </a:extLst>
+          </p:cNvPr>
+          <p:cNvSpPr txBox="1"/>
+          <p:nvPr/>
+        </p:nvSpPr>
+        <p:spPr>
+          <a:xfrm>
+            <a:off x="1497724" y="551793"/>
+            <a:ext cx="1056290" cy="923330"/>
+          </a:xfrm>
+          <a:prstGeom prst="rect">
+            <a:avLst/>
+          </a:prstGeom>
+          <a:noFill/>
+        </p:spPr>
+        <p:txBody>
+          <a:bodyPr wrap="square" rtlCol="0">
+            <a:spAutoFit/>
+          </a:bodyPr>
+          <a:lstStyle/>
+          <a:p>
+            <a:r>
+              <a:rPr lang="en-GB" dirty="0" err="1"/>
+              <a:t>Forsker</a:t>
+            </a:r>
+            <a:br>
+              <a:rPr lang="en-GB" dirty="0"/>
+            </a:br>
+            <a:r>
+              <a:rPr lang="en-GB" dirty="0"/>
+              <a:t>Medium</a:t>
+            </a:r>
+          </a:p>
+          <a:p>
+            <a:r>
+              <a:rPr lang="en-GB" dirty="0"/>
+              <a:t>Climb</a:t>
+            </a:r>
+            <a:endParaRPr lang="en-DK" dirty="0"/>
+          </a:p>
+        </p:txBody>
+      </p:sp>
+      <p:sp>
+        <p:nvSpPr>
+          <p:cNvPr id="9" name="TextBox 8">
+            <a:extLst>
+              <a:ext uri="{FF2B5EF4-FFF2-40B4-BE49-F238E27FC236}">
+                <a16:creationId xmlns:a16="http://schemas.microsoft.com/office/drawing/2014/main" id="{10C33D84-5B8F-EAFC-6E38-CE9678BD08F9}"/>
+              </a:ext>
+            </a:extLst>
+          </p:cNvPr>
+          <p:cNvSpPr txBox="1"/>
+          <p:nvPr/>
+        </p:nvSpPr>
+        <p:spPr>
+          <a:xfrm>
+            <a:off x="8617413" y="505626"/>
+            <a:ext cx="1394692" cy="923330"/>
+          </a:xfrm>
+          <a:prstGeom prst="rect">
+            <a:avLst/>
+          </a:prstGeom>
+          <a:noFill/>
+        </p:spPr>
+        <p:txBody>
+          <a:bodyPr wrap="square" rtlCol="0">
+            <a:spAutoFit/>
+          </a:bodyPr>
+          <a:lstStyle/>
+          <a:p>
+            <a:r>
+              <a:rPr lang="en-GB" dirty="0"/>
+              <a:t>Ren </a:t>
+            </a:r>
+            <a:r>
+              <a:rPr lang="en-GB" dirty="0" err="1"/>
+              <a:t>Svamp</a:t>
+            </a:r>
+            <a:endParaRPr lang="en-GB" dirty="0"/>
+          </a:p>
+          <a:p>
+            <a:r>
+              <a:rPr lang="en-GB" dirty="0"/>
+              <a:t>Medium</a:t>
+            </a:r>
+          </a:p>
+          <a:p>
+            <a:r>
+              <a:rPr lang="en-GB" dirty="0"/>
+              <a:t>30 </a:t>
+            </a:r>
+            <a:endParaRPr lang="en-DK" dirty="0"/>
+          </a:p>
+        </p:txBody>
+      </p:sp>
+    </p:spTree>
+    <p:extLst>
+      <p:ext uri="{BB962C8B-B14F-4D97-AF65-F5344CB8AC3E}">
+        <p14:creationId xmlns:p14="http://schemas.microsoft.com/office/powerpoint/2010/main" val="64386703"/>
       </p:ext>
     </p:extLst>
   </p:cSld>

--- a/Terra Aurum/Store Lokationer/Muldvarp hul og Lab/Monstre.pptx
+++ b/Terra Aurum/Store Lokationer/Muldvarp hul og Lab/Monstre.pptx
@@ -202,7 +202,7 @@
           <a:p>
             <a:fld id="{1785838D-F10B-46DD-AB20-A4B59BA9D4EC}" type="datetimeFigureOut">
               <a:rPr lang="en-GB" smtClean="0"/>
-              <a:t>05/05/2023</a:t>
+              <a:t>29/06/2023</a:t>
             </a:fld>
             <a:endParaRPr lang="en-GB"/>
           </a:p>
@@ -1198,7 +1198,7 @@
           <a:p>
             <a:fld id="{955A3EA9-3280-42AD-BFE1-A83E934AEC1C}" type="datetimeFigureOut">
               <a:rPr lang="en-GB" smtClean="0"/>
-              <a:t>05/05/2023</a:t>
+              <a:t>29/06/2023</a:t>
             </a:fld>
             <a:endParaRPr lang="en-GB"/>
           </a:p>
@@ -1396,7 +1396,7 @@
           <a:p>
             <a:fld id="{955A3EA9-3280-42AD-BFE1-A83E934AEC1C}" type="datetimeFigureOut">
               <a:rPr lang="en-GB" smtClean="0"/>
-              <a:t>05/05/2023</a:t>
+              <a:t>29/06/2023</a:t>
             </a:fld>
             <a:endParaRPr lang="en-GB"/>
           </a:p>
@@ -1604,7 +1604,7 @@
           <a:p>
             <a:fld id="{955A3EA9-3280-42AD-BFE1-A83E934AEC1C}" type="datetimeFigureOut">
               <a:rPr lang="en-GB" smtClean="0"/>
-              <a:t>05/05/2023</a:t>
+              <a:t>29/06/2023</a:t>
             </a:fld>
             <a:endParaRPr lang="en-GB"/>
           </a:p>
@@ -1802,7 +1802,7 @@
           <a:p>
             <a:fld id="{955A3EA9-3280-42AD-BFE1-A83E934AEC1C}" type="datetimeFigureOut">
               <a:rPr lang="en-GB" smtClean="0"/>
-              <a:t>05/05/2023</a:t>
+              <a:t>29/06/2023</a:t>
             </a:fld>
             <a:endParaRPr lang="en-GB"/>
           </a:p>
@@ -2077,7 +2077,7 @@
           <a:p>
             <a:fld id="{955A3EA9-3280-42AD-BFE1-A83E934AEC1C}" type="datetimeFigureOut">
               <a:rPr lang="en-GB" smtClean="0"/>
-              <a:t>05/05/2023</a:t>
+              <a:t>29/06/2023</a:t>
             </a:fld>
             <a:endParaRPr lang="en-GB"/>
           </a:p>
@@ -2342,7 +2342,7 @@
           <a:p>
             <a:fld id="{955A3EA9-3280-42AD-BFE1-A83E934AEC1C}" type="datetimeFigureOut">
               <a:rPr lang="en-GB" smtClean="0"/>
-              <a:t>05/05/2023</a:t>
+              <a:t>29/06/2023</a:t>
             </a:fld>
             <a:endParaRPr lang="en-GB"/>
           </a:p>
@@ -2754,7 +2754,7 @@
           <a:p>
             <a:fld id="{955A3EA9-3280-42AD-BFE1-A83E934AEC1C}" type="datetimeFigureOut">
               <a:rPr lang="en-GB" smtClean="0"/>
-              <a:t>05/05/2023</a:t>
+              <a:t>29/06/2023</a:t>
             </a:fld>
             <a:endParaRPr lang="en-GB"/>
           </a:p>
@@ -2895,7 +2895,7 @@
           <a:p>
             <a:fld id="{955A3EA9-3280-42AD-BFE1-A83E934AEC1C}" type="datetimeFigureOut">
               <a:rPr lang="en-GB" smtClean="0"/>
-              <a:t>05/05/2023</a:t>
+              <a:t>29/06/2023</a:t>
             </a:fld>
             <a:endParaRPr lang="en-GB"/>
           </a:p>
@@ -3008,7 +3008,7 @@
           <a:p>
             <a:fld id="{955A3EA9-3280-42AD-BFE1-A83E934AEC1C}" type="datetimeFigureOut">
               <a:rPr lang="en-GB" smtClean="0"/>
-              <a:t>05/05/2023</a:t>
+              <a:t>29/06/2023</a:t>
             </a:fld>
             <a:endParaRPr lang="en-GB"/>
           </a:p>
@@ -3319,7 +3319,7 @@
           <a:p>
             <a:fld id="{955A3EA9-3280-42AD-BFE1-A83E934AEC1C}" type="datetimeFigureOut">
               <a:rPr lang="en-GB" smtClean="0"/>
-              <a:t>05/05/2023</a:t>
+              <a:t>29/06/2023</a:t>
             </a:fld>
             <a:endParaRPr lang="en-GB"/>
           </a:p>
@@ -3607,7 +3607,7 @@
           <a:p>
             <a:fld id="{955A3EA9-3280-42AD-BFE1-A83E934AEC1C}" type="datetimeFigureOut">
               <a:rPr lang="en-GB" smtClean="0"/>
-              <a:t>05/05/2023</a:t>
+              <a:t>29/06/2023</a:t>
             </a:fld>
             <a:endParaRPr lang="en-GB"/>
           </a:p>
@@ -3848,7 +3848,7 @@
           <a:p>
             <a:fld id="{955A3EA9-3280-42AD-BFE1-A83E934AEC1C}" type="datetimeFigureOut">
               <a:rPr lang="en-GB" smtClean="0"/>
-              <a:t>05/05/2023</a:t>
+              <a:t>29/06/2023</a:t>
             </a:fld>
             <a:endParaRPr lang="en-GB"/>
           </a:p>
